--- a/Platinum/202201/Problem1/images/images.pptx
+++ b/Platinum/202201/Problem1/images/images.pptx
@@ -6,6 +6,7 @@
   </p:sldMasterIdLst>
   <p:sldIdLst>
     <p:sldId id="257" r:id="rId2"/>
+    <p:sldId id="258" r:id="rId3"/>
   </p:sldIdLst>
   <p:sldSz cx="12192000" cy="6858000"/>
   <p:notesSz cx="6858000" cy="9144000"/>
@@ -104,6 +105,11 @@
       </a:defRPr>
     </a:lvl9pPr>
   </p:defaultTextStyle>
+  <p:extLst>
+    <p:ext uri="{EFAFB233-063F-42B5-8137-9DF3F51BA10A}">
+      <p15:sldGuideLst xmlns:p15="http://schemas.microsoft.com/office/powerpoint/2012/main"/>
+    </p:ext>
+  </p:extLst>
 </p:presentation>
 </file>
 
@@ -4185,6 +4191,1345 @@
 </p:sld>
 </file>
 
+<file path=ppt/slides/slide2.xml><?xml version="1.0" encoding="utf-8"?>
+<p:sld xmlns:a="http://schemas.openxmlformats.org/drawingml/2006/main" xmlns:r="http://schemas.openxmlformats.org/officeDocument/2006/relationships" xmlns:p="http://schemas.openxmlformats.org/presentationml/2006/main">
+  <p:cSld>
+    <p:spTree>
+      <p:nvGrpSpPr>
+        <p:cNvPr id="1" name=""/>
+        <p:cNvGrpSpPr/>
+        <p:nvPr/>
+      </p:nvGrpSpPr>
+      <p:grpSpPr>
+        <a:xfrm>
+          <a:off x="0" y="0"/>
+          <a:ext cx="0" cy="0"/>
+          <a:chOff x="0" y="0"/>
+          <a:chExt cx="0" cy="0"/>
+        </a:xfrm>
+      </p:grpSpPr>
+      <p:cxnSp>
+        <p:nvCxnSpPr>
+          <p:cNvPr id="11" name="Straight Connector 10">
+            <a:extLst>
+              <a:ext uri="{FF2B5EF4-FFF2-40B4-BE49-F238E27FC236}">
+                <a16:creationId xmlns:a16="http://schemas.microsoft.com/office/drawing/2014/main" id="{24873162-36AA-498F-B170-590E5D9F7FD1}"/>
+              </a:ext>
+            </a:extLst>
+          </p:cNvPr>
+          <p:cNvCxnSpPr>
+            <a:cxnSpLocks/>
+          </p:cNvCxnSpPr>
+          <p:nvPr/>
+        </p:nvCxnSpPr>
+        <p:spPr>
+          <a:xfrm flipH="1">
+            <a:off x="4432852" y="1435174"/>
+            <a:ext cx="914400" cy="954157"/>
+          </a:xfrm>
+          <a:prstGeom prst="line">
+            <a:avLst/>
+          </a:prstGeom>
+          <a:ln>
+            <a:solidFill>
+              <a:schemeClr val="tx1"/>
+            </a:solidFill>
+          </a:ln>
+        </p:spPr>
+        <p:style>
+          <a:lnRef idx="1">
+            <a:schemeClr val="accent1"/>
+          </a:lnRef>
+          <a:fillRef idx="0">
+            <a:schemeClr val="accent1"/>
+          </a:fillRef>
+          <a:effectRef idx="0">
+            <a:schemeClr val="accent1"/>
+          </a:effectRef>
+          <a:fontRef idx="minor">
+            <a:schemeClr val="tx1"/>
+          </a:fontRef>
+        </p:style>
+      </p:cxnSp>
+      <p:cxnSp>
+        <p:nvCxnSpPr>
+          <p:cNvPr id="17" name="Straight Connector 16">
+            <a:extLst>
+              <a:ext uri="{FF2B5EF4-FFF2-40B4-BE49-F238E27FC236}">
+                <a16:creationId xmlns:a16="http://schemas.microsoft.com/office/drawing/2014/main" id="{2FD6EB13-0383-4014-889C-58A2E0FCF677}"/>
+              </a:ext>
+            </a:extLst>
+          </p:cNvPr>
+          <p:cNvCxnSpPr>
+            <a:cxnSpLocks/>
+          </p:cNvCxnSpPr>
+          <p:nvPr/>
+        </p:nvCxnSpPr>
+        <p:spPr>
+          <a:xfrm flipH="1">
+            <a:off x="3151868" y="2572265"/>
+            <a:ext cx="1113362" cy="1489347"/>
+          </a:xfrm>
+          <a:prstGeom prst="line">
+            <a:avLst/>
+          </a:prstGeom>
+          <a:ln>
+            <a:solidFill>
+              <a:schemeClr val="tx1"/>
+            </a:solidFill>
+          </a:ln>
+        </p:spPr>
+        <p:style>
+          <a:lnRef idx="1">
+            <a:schemeClr val="accent1"/>
+          </a:lnRef>
+          <a:fillRef idx="0">
+            <a:schemeClr val="accent1"/>
+          </a:fillRef>
+          <a:effectRef idx="0">
+            <a:schemeClr val="accent1"/>
+          </a:effectRef>
+          <a:fontRef idx="minor">
+            <a:schemeClr val="tx1"/>
+          </a:fontRef>
+        </p:style>
+      </p:cxnSp>
+      <p:cxnSp>
+        <p:nvCxnSpPr>
+          <p:cNvPr id="19" name="Straight Connector 18">
+            <a:extLst>
+              <a:ext uri="{FF2B5EF4-FFF2-40B4-BE49-F238E27FC236}">
+                <a16:creationId xmlns:a16="http://schemas.microsoft.com/office/drawing/2014/main" id="{10617489-C820-4B97-90E5-A8FBB5A4C897}"/>
+              </a:ext>
+            </a:extLst>
+          </p:cNvPr>
+          <p:cNvCxnSpPr>
+            <a:cxnSpLocks/>
+          </p:cNvCxnSpPr>
+          <p:nvPr/>
+        </p:nvCxnSpPr>
+        <p:spPr>
+          <a:xfrm>
+            <a:off x="4417630" y="2724665"/>
+            <a:ext cx="996778" cy="1342767"/>
+          </a:xfrm>
+          <a:prstGeom prst="line">
+            <a:avLst/>
+          </a:prstGeom>
+          <a:ln>
+            <a:solidFill>
+              <a:schemeClr val="tx1"/>
+            </a:solidFill>
+          </a:ln>
+        </p:spPr>
+        <p:style>
+          <a:lnRef idx="1">
+            <a:schemeClr val="accent1"/>
+          </a:lnRef>
+          <a:fillRef idx="0">
+            <a:schemeClr val="accent1"/>
+          </a:fillRef>
+          <a:effectRef idx="0">
+            <a:schemeClr val="accent1"/>
+          </a:effectRef>
+          <a:fontRef idx="minor">
+            <a:schemeClr val="tx1"/>
+          </a:fontRef>
+        </p:style>
+      </p:cxnSp>
+      <p:cxnSp>
+        <p:nvCxnSpPr>
+          <p:cNvPr id="21" name="Straight Connector 20">
+            <a:extLst>
+              <a:ext uri="{FF2B5EF4-FFF2-40B4-BE49-F238E27FC236}">
+                <a16:creationId xmlns:a16="http://schemas.microsoft.com/office/drawing/2014/main" id="{C33514C8-F2B0-40A8-8120-63CC05B7CC33}"/>
+              </a:ext>
+            </a:extLst>
+          </p:cNvPr>
+          <p:cNvCxnSpPr>
+            <a:cxnSpLocks/>
+          </p:cNvCxnSpPr>
+          <p:nvPr/>
+        </p:nvCxnSpPr>
+        <p:spPr>
+          <a:xfrm>
+            <a:off x="5546214" y="1344827"/>
+            <a:ext cx="1869989" cy="4168346"/>
+          </a:xfrm>
+          <a:prstGeom prst="line">
+            <a:avLst/>
+          </a:prstGeom>
+          <a:ln>
+            <a:solidFill>
+              <a:schemeClr val="tx1"/>
+            </a:solidFill>
+          </a:ln>
+        </p:spPr>
+        <p:style>
+          <a:lnRef idx="1">
+            <a:schemeClr val="accent1"/>
+          </a:lnRef>
+          <a:fillRef idx="0">
+            <a:schemeClr val="accent1"/>
+          </a:fillRef>
+          <a:effectRef idx="0">
+            <a:schemeClr val="accent1"/>
+          </a:effectRef>
+          <a:fontRef idx="minor">
+            <a:schemeClr val="tx1"/>
+          </a:fontRef>
+        </p:style>
+      </p:cxnSp>
+      <p:cxnSp>
+        <p:nvCxnSpPr>
+          <p:cNvPr id="23" name="Straight Connector 22">
+            <a:extLst>
+              <a:ext uri="{FF2B5EF4-FFF2-40B4-BE49-F238E27FC236}">
+                <a16:creationId xmlns:a16="http://schemas.microsoft.com/office/drawing/2014/main" id="{2F92577A-78F9-4E50-9239-2694C7D5BD0D}"/>
+              </a:ext>
+            </a:extLst>
+          </p:cNvPr>
+          <p:cNvCxnSpPr>
+            <a:cxnSpLocks/>
+          </p:cNvCxnSpPr>
+          <p:nvPr/>
+        </p:nvCxnSpPr>
+        <p:spPr>
+          <a:xfrm>
+            <a:off x="5484430" y="4174524"/>
+            <a:ext cx="708454" cy="1326292"/>
+          </a:xfrm>
+          <a:prstGeom prst="line">
+            <a:avLst/>
+          </a:prstGeom>
+          <a:ln>
+            <a:solidFill>
+              <a:schemeClr val="tx1"/>
+            </a:solidFill>
+          </a:ln>
+        </p:spPr>
+        <p:style>
+          <a:lnRef idx="1">
+            <a:schemeClr val="accent1"/>
+          </a:lnRef>
+          <a:fillRef idx="0">
+            <a:schemeClr val="accent1"/>
+          </a:fillRef>
+          <a:effectRef idx="0">
+            <a:schemeClr val="accent1"/>
+          </a:effectRef>
+          <a:fontRef idx="minor">
+            <a:schemeClr val="tx1"/>
+          </a:fontRef>
+        </p:style>
+      </p:cxnSp>
+      <p:cxnSp>
+        <p:nvCxnSpPr>
+          <p:cNvPr id="25" name="Straight Connector 24">
+            <a:extLst>
+              <a:ext uri="{FF2B5EF4-FFF2-40B4-BE49-F238E27FC236}">
+                <a16:creationId xmlns:a16="http://schemas.microsoft.com/office/drawing/2014/main" id="{71CC1CA5-62B4-4860-AA73-A62A4A30D48F}"/>
+              </a:ext>
+            </a:extLst>
+          </p:cNvPr>
+          <p:cNvCxnSpPr>
+            <a:cxnSpLocks/>
+          </p:cNvCxnSpPr>
+          <p:nvPr/>
+        </p:nvCxnSpPr>
+        <p:spPr>
+          <a:xfrm flipH="1">
+            <a:off x="4907781" y="4191000"/>
+            <a:ext cx="617838" cy="1371600"/>
+          </a:xfrm>
+          <a:prstGeom prst="line">
+            <a:avLst/>
+          </a:prstGeom>
+          <a:ln>
+            <a:solidFill>
+              <a:schemeClr val="tx1"/>
+            </a:solidFill>
+          </a:ln>
+        </p:spPr>
+        <p:style>
+          <a:lnRef idx="1">
+            <a:schemeClr val="accent1"/>
+          </a:lnRef>
+          <a:fillRef idx="0">
+            <a:schemeClr val="accent1"/>
+          </a:fillRef>
+          <a:effectRef idx="0">
+            <a:schemeClr val="accent1"/>
+          </a:effectRef>
+          <a:fontRef idx="minor">
+            <a:schemeClr val="tx1"/>
+          </a:fontRef>
+        </p:style>
+      </p:cxnSp>
+      <p:cxnSp>
+        <p:nvCxnSpPr>
+          <p:cNvPr id="28" name="Straight Connector 27">
+            <a:extLst>
+              <a:ext uri="{FF2B5EF4-FFF2-40B4-BE49-F238E27FC236}">
+                <a16:creationId xmlns:a16="http://schemas.microsoft.com/office/drawing/2014/main" id="{B0172B18-BE3F-4904-9B1B-9AD8C021156A}"/>
+              </a:ext>
+            </a:extLst>
+          </p:cNvPr>
+          <p:cNvCxnSpPr>
+            <a:cxnSpLocks/>
+          </p:cNvCxnSpPr>
+          <p:nvPr/>
+        </p:nvCxnSpPr>
+        <p:spPr>
+          <a:xfrm>
+            <a:off x="3004841" y="4141573"/>
+            <a:ext cx="543697" cy="1346886"/>
+          </a:xfrm>
+          <a:prstGeom prst="line">
+            <a:avLst/>
+          </a:prstGeom>
+          <a:ln>
+            <a:solidFill>
+              <a:schemeClr val="tx1"/>
+            </a:solidFill>
+          </a:ln>
+        </p:spPr>
+        <p:style>
+          <a:lnRef idx="1">
+            <a:schemeClr val="accent1"/>
+          </a:lnRef>
+          <a:fillRef idx="0">
+            <a:schemeClr val="accent1"/>
+          </a:fillRef>
+          <a:effectRef idx="0">
+            <a:schemeClr val="accent1"/>
+          </a:effectRef>
+          <a:fontRef idx="minor">
+            <a:schemeClr val="tx1"/>
+          </a:fontRef>
+        </p:style>
+      </p:cxnSp>
+      <p:cxnSp>
+        <p:nvCxnSpPr>
+          <p:cNvPr id="29" name="Straight Connector 28">
+            <a:extLst>
+              <a:ext uri="{FF2B5EF4-FFF2-40B4-BE49-F238E27FC236}">
+                <a16:creationId xmlns:a16="http://schemas.microsoft.com/office/drawing/2014/main" id="{5B1726A4-466F-4FB4-B442-55599103BFB4}"/>
+              </a:ext>
+            </a:extLst>
+          </p:cNvPr>
+          <p:cNvCxnSpPr>
+            <a:cxnSpLocks/>
+          </p:cNvCxnSpPr>
+          <p:nvPr/>
+        </p:nvCxnSpPr>
+        <p:spPr>
+          <a:xfrm flipH="1">
+            <a:off x="2327637" y="4178643"/>
+            <a:ext cx="714274" cy="1383957"/>
+          </a:xfrm>
+          <a:prstGeom prst="line">
+            <a:avLst/>
+          </a:prstGeom>
+          <a:ln>
+            <a:solidFill>
+              <a:schemeClr val="tx1"/>
+            </a:solidFill>
+          </a:ln>
+        </p:spPr>
+        <p:style>
+          <a:lnRef idx="1">
+            <a:schemeClr val="accent1"/>
+          </a:lnRef>
+          <a:fillRef idx="0">
+            <a:schemeClr val="accent1"/>
+          </a:fillRef>
+          <a:effectRef idx="0">
+            <a:schemeClr val="accent1"/>
+          </a:effectRef>
+          <a:fontRef idx="minor">
+            <a:schemeClr val="tx1"/>
+          </a:fontRef>
+        </p:style>
+      </p:cxnSp>
+      <p:sp>
+        <p:nvSpPr>
+          <p:cNvPr id="2" name="Oval 1">
+            <a:extLst>
+              <a:ext uri="{FF2B5EF4-FFF2-40B4-BE49-F238E27FC236}">
+                <a16:creationId xmlns:a16="http://schemas.microsoft.com/office/drawing/2014/main" id="{6A2B2777-FFE9-4EDC-9859-1455F22464EE}"/>
+              </a:ext>
+            </a:extLst>
+          </p:cNvPr>
+          <p:cNvSpPr/>
+          <p:nvPr/>
+        </p:nvSpPr>
+        <p:spPr>
+          <a:xfrm>
+            <a:off x="2007704" y="5291558"/>
+            <a:ext cx="596347" cy="596347"/>
+          </a:xfrm>
+          <a:prstGeom prst="ellipse">
+            <a:avLst/>
+          </a:prstGeom>
+          <a:solidFill>
+            <a:schemeClr val="bg1"/>
+          </a:solidFill>
+          <a:ln>
+            <a:solidFill>
+              <a:schemeClr val="tx1"/>
+            </a:solidFill>
+          </a:ln>
+        </p:spPr>
+        <p:style>
+          <a:lnRef idx="2">
+            <a:schemeClr val="accent1">
+              <a:shade val="50000"/>
+            </a:schemeClr>
+          </a:lnRef>
+          <a:fillRef idx="1">
+            <a:schemeClr val="accent1"/>
+          </a:fillRef>
+          <a:effectRef idx="0">
+            <a:schemeClr val="accent1"/>
+          </a:effectRef>
+          <a:fontRef idx="minor">
+            <a:schemeClr val="lt1"/>
+          </a:fontRef>
+        </p:style>
+        <p:txBody>
+          <a:bodyPr rtlCol="0" anchor="ctr"/>
+          <a:lstStyle/>
+          <a:p>
+            <a:pPr algn="ctr"/>
+            <a:r>
+              <a:rPr lang="en-US" dirty="0">
+                <a:solidFill>
+                  <a:schemeClr val="tx1"/>
+                </a:solidFill>
+              </a:rPr>
+              <a:t>2</a:t>
+            </a:r>
+          </a:p>
+        </p:txBody>
+      </p:sp>
+      <p:sp>
+        <p:nvSpPr>
+          <p:cNvPr id="3" name="Oval 2">
+            <a:extLst>
+              <a:ext uri="{FF2B5EF4-FFF2-40B4-BE49-F238E27FC236}">
+                <a16:creationId xmlns:a16="http://schemas.microsoft.com/office/drawing/2014/main" id="{6E94E74C-748F-445C-A15B-8C504B5665BF}"/>
+              </a:ext>
+            </a:extLst>
+          </p:cNvPr>
+          <p:cNvSpPr/>
+          <p:nvPr/>
+        </p:nvSpPr>
+        <p:spPr>
+          <a:xfrm>
+            <a:off x="3303104" y="5291557"/>
+            <a:ext cx="596347" cy="596347"/>
+          </a:xfrm>
+          <a:prstGeom prst="ellipse">
+            <a:avLst/>
+          </a:prstGeom>
+          <a:solidFill>
+            <a:schemeClr val="bg1"/>
+          </a:solidFill>
+          <a:ln>
+            <a:solidFill>
+              <a:schemeClr val="tx1"/>
+            </a:solidFill>
+          </a:ln>
+        </p:spPr>
+        <p:style>
+          <a:lnRef idx="2">
+            <a:schemeClr val="accent1">
+              <a:shade val="50000"/>
+            </a:schemeClr>
+          </a:lnRef>
+          <a:fillRef idx="1">
+            <a:schemeClr val="accent1"/>
+          </a:fillRef>
+          <a:effectRef idx="0">
+            <a:schemeClr val="accent1"/>
+          </a:effectRef>
+          <a:fontRef idx="minor">
+            <a:schemeClr val="lt1"/>
+          </a:fontRef>
+        </p:style>
+        <p:txBody>
+          <a:bodyPr rtlCol="0" anchor="ctr"/>
+          <a:lstStyle/>
+          <a:p>
+            <a:pPr algn="ctr"/>
+            <a:r>
+              <a:rPr lang="en-US" dirty="0">
+                <a:solidFill>
+                  <a:schemeClr val="tx1"/>
+                </a:solidFill>
+              </a:rPr>
+              <a:t>3</a:t>
+            </a:r>
+          </a:p>
+        </p:txBody>
+      </p:sp>
+      <p:sp>
+        <p:nvSpPr>
+          <p:cNvPr id="4" name="Oval 3">
+            <a:extLst>
+              <a:ext uri="{FF2B5EF4-FFF2-40B4-BE49-F238E27FC236}">
+                <a16:creationId xmlns:a16="http://schemas.microsoft.com/office/drawing/2014/main" id="{63707961-BA01-44AE-8F4E-EF34538C3D13}"/>
+              </a:ext>
+            </a:extLst>
+          </p:cNvPr>
+          <p:cNvSpPr/>
+          <p:nvPr/>
+        </p:nvSpPr>
+        <p:spPr>
+          <a:xfrm>
+            <a:off x="4598504" y="5291557"/>
+            <a:ext cx="596347" cy="596347"/>
+          </a:xfrm>
+          <a:prstGeom prst="ellipse">
+            <a:avLst/>
+          </a:prstGeom>
+          <a:solidFill>
+            <a:schemeClr val="bg1"/>
+          </a:solidFill>
+          <a:ln>
+            <a:solidFill>
+              <a:schemeClr val="tx1"/>
+            </a:solidFill>
+          </a:ln>
+        </p:spPr>
+        <p:style>
+          <a:lnRef idx="2">
+            <a:schemeClr val="accent1">
+              <a:shade val="50000"/>
+            </a:schemeClr>
+          </a:lnRef>
+          <a:fillRef idx="1">
+            <a:schemeClr val="accent1"/>
+          </a:fillRef>
+          <a:effectRef idx="0">
+            <a:schemeClr val="accent1"/>
+          </a:effectRef>
+          <a:fontRef idx="minor">
+            <a:schemeClr val="lt1"/>
+          </a:fontRef>
+        </p:style>
+        <p:txBody>
+          <a:bodyPr rtlCol="0" anchor="ctr"/>
+          <a:lstStyle/>
+          <a:p>
+            <a:pPr algn="ctr"/>
+            <a:r>
+              <a:rPr lang="en-US" dirty="0">
+                <a:solidFill>
+                  <a:schemeClr val="tx1"/>
+                </a:solidFill>
+              </a:rPr>
+              <a:t>6</a:t>
+            </a:r>
+          </a:p>
+        </p:txBody>
+      </p:sp>
+      <p:sp>
+        <p:nvSpPr>
+          <p:cNvPr id="5" name="Oval 4">
+            <a:extLst>
+              <a:ext uri="{FF2B5EF4-FFF2-40B4-BE49-F238E27FC236}">
+                <a16:creationId xmlns:a16="http://schemas.microsoft.com/office/drawing/2014/main" id="{6C873428-D171-4EB8-AA1F-19C25B45BC85}"/>
+              </a:ext>
+            </a:extLst>
+          </p:cNvPr>
+          <p:cNvSpPr/>
+          <p:nvPr/>
+        </p:nvSpPr>
+        <p:spPr>
+          <a:xfrm>
+            <a:off x="5893904" y="5291557"/>
+            <a:ext cx="596347" cy="596347"/>
+          </a:xfrm>
+          <a:prstGeom prst="ellipse">
+            <a:avLst/>
+          </a:prstGeom>
+          <a:solidFill>
+            <a:schemeClr val="bg1"/>
+          </a:solidFill>
+          <a:ln>
+            <a:solidFill>
+              <a:schemeClr val="tx1"/>
+            </a:solidFill>
+          </a:ln>
+        </p:spPr>
+        <p:style>
+          <a:lnRef idx="2">
+            <a:schemeClr val="accent1">
+              <a:shade val="50000"/>
+            </a:schemeClr>
+          </a:lnRef>
+          <a:fillRef idx="1">
+            <a:schemeClr val="accent1"/>
+          </a:fillRef>
+          <a:effectRef idx="0">
+            <a:schemeClr val="accent1"/>
+          </a:effectRef>
+          <a:fontRef idx="minor">
+            <a:schemeClr val="lt1"/>
+          </a:fontRef>
+        </p:style>
+        <p:txBody>
+          <a:bodyPr rtlCol="0" anchor="ctr"/>
+          <a:lstStyle/>
+          <a:p>
+            <a:pPr algn="ctr"/>
+            <a:r>
+              <a:rPr lang="en-US" dirty="0">
+                <a:solidFill>
+                  <a:schemeClr val="tx1"/>
+                </a:solidFill>
+              </a:rPr>
+              <a:t>7</a:t>
+            </a:r>
+          </a:p>
+        </p:txBody>
+      </p:sp>
+      <p:sp>
+        <p:nvSpPr>
+          <p:cNvPr id="6" name="Oval 5">
+            <a:extLst>
+              <a:ext uri="{FF2B5EF4-FFF2-40B4-BE49-F238E27FC236}">
+                <a16:creationId xmlns:a16="http://schemas.microsoft.com/office/drawing/2014/main" id="{884451C8-B018-491C-B71A-BE25FC7A1252}"/>
+              </a:ext>
+            </a:extLst>
+          </p:cNvPr>
+          <p:cNvSpPr/>
+          <p:nvPr/>
+        </p:nvSpPr>
+        <p:spPr>
+          <a:xfrm>
+            <a:off x="7189304" y="5291556"/>
+            <a:ext cx="596347" cy="596347"/>
+          </a:xfrm>
+          <a:prstGeom prst="ellipse">
+            <a:avLst/>
+          </a:prstGeom>
+          <a:solidFill>
+            <a:schemeClr val="bg1"/>
+          </a:solidFill>
+          <a:ln>
+            <a:solidFill>
+              <a:schemeClr val="tx1"/>
+            </a:solidFill>
+          </a:ln>
+        </p:spPr>
+        <p:style>
+          <a:lnRef idx="2">
+            <a:schemeClr val="accent1">
+              <a:shade val="50000"/>
+            </a:schemeClr>
+          </a:lnRef>
+          <a:fillRef idx="1">
+            <a:schemeClr val="accent1"/>
+          </a:fillRef>
+          <a:effectRef idx="0">
+            <a:schemeClr val="accent1"/>
+          </a:effectRef>
+          <a:fontRef idx="minor">
+            <a:schemeClr val="lt1"/>
+          </a:fontRef>
+        </p:style>
+        <p:txBody>
+          <a:bodyPr rtlCol="0" anchor="ctr"/>
+          <a:lstStyle/>
+          <a:p>
+            <a:pPr algn="ctr"/>
+            <a:r>
+              <a:rPr lang="en-US" dirty="0">
+                <a:solidFill>
+                  <a:schemeClr val="tx1"/>
+                </a:solidFill>
+              </a:rPr>
+              <a:t>7</a:t>
+            </a:r>
+          </a:p>
+        </p:txBody>
+      </p:sp>
+      <p:sp>
+        <p:nvSpPr>
+          <p:cNvPr id="7" name="Oval 6">
+            <a:extLst>
+              <a:ext uri="{FF2B5EF4-FFF2-40B4-BE49-F238E27FC236}">
+                <a16:creationId xmlns:a16="http://schemas.microsoft.com/office/drawing/2014/main" id="{85189FB5-C8BE-40C9-91C1-FFE2A6840770}"/>
+              </a:ext>
+            </a:extLst>
+          </p:cNvPr>
+          <p:cNvSpPr/>
+          <p:nvPr/>
+        </p:nvSpPr>
+        <p:spPr>
+          <a:xfrm>
+            <a:off x="2708413" y="3883515"/>
+            <a:ext cx="596347" cy="596347"/>
+          </a:xfrm>
+          <a:prstGeom prst="ellipse">
+            <a:avLst/>
+          </a:prstGeom>
+          <a:solidFill>
+            <a:schemeClr val="bg1"/>
+          </a:solidFill>
+          <a:ln>
+            <a:solidFill>
+              <a:schemeClr val="tx1"/>
+            </a:solidFill>
+          </a:ln>
+        </p:spPr>
+        <p:style>
+          <a:lnRef idx="2">
+            <a:schemeClr val="accent1">
+              <a:shade val="50000"/>
+            </a:schemeClr>
+          </a:lnRef>
+          <a:fillRef idx="1">
+            <a:schemeClr val="accent1"/>
+          </a:fillRef>
+          <a:effectRef idx="0">
+            <a:schemeClr val="accent1"/>
+          </a:effectRef>
+          <a:fontRef idx="minor">
+            <a:schemeClr val="lt1"/>
+          </a:fontRef>
+        </p:style>
+        <p:txBody>
+          <a:bodyPr rtlCol="0" anchor="ctr"/>
+          <a:lstStyle/>
+          <a:p>
+            <a:pPr algn="ctr"/>
+            <a:r>
+              <a:rPr lang="en-US" dirty="0">
+                <a:solidFill>
+                  <a:schemeClr val="tx1"/>
+                </a:solidFill>
+              </a:rPr>
+              <a:t>2</a:t>
+            </a:r>
+          </a:p>
+        </p:txBody>
+      </p:sp>
+      <p:sp>
+        <p:nvSpPr>
+          <p:cNvPr id="8" name="Oval 7">
+            <a:extLst>
+              <a:ext uri="{FF2B5EF4-FFF2-40B4-BE49-F238E27FC236}">
+                <a16:creationId xmlns:a16="http://schemas.microsoft.com/office/drawing/2014/main" id="{40DCC5A1-9949-40CC-85CA-BF66CE6274D3}"/>
+              </a:ext>
+            </a:extLst>
+          </p:cNvPr>
+          <p:cNvSpPr/>
+          <p:nvPr/>
+        </p:nvSpPr>
+        <p:spPr>
+          <a:xfrm>
+            <a:off x="5194851" y="3883514"/>
+            <a:ext cx="596347" cy="596347"/>
+          </a:xfrm>
+          <a:prstGeom prst="ellipse">
+            <a:avLst/>
+          </a:prstGeom>
+          <a:solidFill>
+            <a:schemeClr val="bg1"/>
+          </a:solidFill>
+          <a:ln>
+            <a:solidFill>
+              <a:schemeClr val="tx1"/>
+            </a:solidFill>
+          </a:ln>
+        </p:spPr>
+        <p:style>
+          <a:lnRef idx="2">
+            <a:schemeClr val="accent1">
+              <a:shade val="50000"/>
+            </a:schemeClr>
+          </a:lnRef>
+          <a:fillRef idx="1">
+            <a:schemeClr val="accent1"/>
+          </a:fillRef>
+          <a:effectRef idx="0">
+            <a:schemeClr val="accent1"/>
+          </a:effectRef>
+          <a:fontRef idx="minor">
+            <a:schemeClr val="lt1"/>
+          </a:fontRef>
+        </p:style>
+        <p:txBody>
+          <a:bodyPr rtlCol="0" anchor="ctr"/>
+          <a:lstStyle/>
+          <a:p>
+            <a:pPr algn="ctr"/>
+            <a:r>
+              <a:rPr lang="en-US" dirty="0">
+                <a:solidFill>
+                  <a:schemeClr val="tx1"/>
+                </a:solidFill>
+              </a:rPr>
+              <a:t>2</a:t>
+            </a:r>
+          </a:p>
+        </p:txBody>
+      </p:sp>
+      <p:sp>
+        <p:nvSpPr>
+          <p:cNvPr id="9" name="Oval 8">
+            <a:extLst>
+              <a:ext uri="{FF2B5EF4-FFF2-40B4-BE49-F238E27FC236}">
+                <a16:creationId xmlns:a16="http://schemas.microsoft.com/office/drawing/2014/main" id="{196575DB-AB00-488C-A161-A3B33E2F4D1D}"/>
+              </a:ext>
+            </a:extLst>
+          </p:cNvPr>
+          <p:cNvSpPr/>
+          <p:nvPr/>
+        </p:nvSpPr>
+        <p:spPr>
+          <a:xfrm>
+            <a:off x="5204790" y="954783"/>
+            <a:ext cx="596347" cy="596347"/>
+          </a:xfrm>
+          <a:prstGeom prst="ellipse">
+            <a:avLst/>
+          </a:prstGeom>
+          <a:solidFill>
+            <a:schemeClr val="bg1"/>
+          </a:solidFill>
+          <a:ln>
+            <a:solidFill>
+              <a:schemeClr val="tx1"/>
+            </a:solidFill>
+          </a:ln>
+        </p:spPr>
+        <p:style>
+          <a:lnRef idx="2">
+            <a:schemeClr val="accent1">
+              <a:shade val="50000"/>
+            </a:schemeClr>
+          </a:lnRef>
+          <a:fillRef idx="1">
+            <a:schemeClr val="accent1"/>
+          </a:fillRef>
+          <a:effectRef idx="0">
+            <a:schemeClr val="accent1"/>
+          </a:effectRef>
+          <a:fontRef idx="minor">
+            <a:schemeClr val="lt1"/>
+          </a:fontRef>
+        </p:style>
+        <p:txBody>
+          <a:bodyPr rtlCol="0" anchor="ctr"/>
+          <a:lstStyle/>
+          <a:p>
+            <a:pPr algn="ctr"/>
+            <a:r>
+              <a:rPr lang="en-US" dirty="0">
+                <a:solidFill>
+                  <a:schemeClr val="tx1"/>
+                </a:solidFill>
+              </a:rPr>
+              <a:t>2</a:t>
+            </a:r>
+          </a:p>
+        </p:txBody>
+      </p:sp>
+      <p:sp>
+        <p:nvSpPr>
+          <p:cNvPr id="15" name="Oval 14">
+            <a:extLst>
+              <a:ext uri="{FF2B5EF4-FFF2-40B4-BE49-F238E27FC236}">
+                <a16:creationId xmlns:a16="http://schemas.microsoft.com/office/drawing/2014/main" id="{99F1AC8E-9E2B-4139-894B-9ECC778AC8AF}"/>
+              </a:ext>
+            </a:extLst>
+          </p:cNvPr>
+          <p:cNvSpPr/>
+          <p:nvPr/>
+        </p:nvSpPr>
+        <p:spPr>
+          <a:xfrm>
+            <a:off x="3982279" y="2268403"/>
+            <a:ext cx="596347" cy="596347"/>
+          </a:xfrm>
+          <a:prstGeom prst="ellipse">
+            <a:avLst/>
+          </a:prstGeom>
+          <a:solidFill>
+            <a:schemeClr val="bg1"/>
+          </a:solidFill>
+          <a:ln>
+            <a:solidFill>
+              <a:schemeClr val="tx1"/>
+            </a:solidFill>
+          </a:ln>
+        </p:spPr>
+        <p:style>
+          <a:lnRef idx="2">
+            <a:schemeClr val="accent1">
+              <a:shade val="50000"/>
+            </a:schemeClr>
+          </a:lnRef>
+          <a:fillRef idx="1">
+            <a:schemeClr val="accent1"/>
+          </a:fillRef>
+          <a:effectRef idx="0">
+            <a:schemeClr val="accent1"/>
+          </a:effectRef>
+          <a:fontRef idx="minor">
+            <a:schemeClr val="lt1"/>
+          </a:fontRef>
+        </p:style>
+        <p:txBody>
+          <a:bodyPr rtlCol="0" anchor="ctr"/>
+          <a:lstStyle/>
+          <a:p>
+            <a:pPr algn="ctr"/>
+            <a:r>
+              <a:rPr lang="en-US" dirty="0">
+                <a:solidFill>
+                  <a:schemeClr val="tx1"/>
+                </a:solidFill>
+              </a:rPr>
+              <a:t>2</a:t>
+            </a:r>
+          </a:p>
+        </p:txBody>
+      </p:sp>
+      <p:sp>
+        <p:nvSpPr>
+          <p:cNvPr id="33" name="TextBox 32">
+            <a:extLst>
+              <a:ext uri="{FF2B5EF4-FFF2-40B4-BE49-F238E27FC236}">
+                <a16:creationId xmlns:a16="http://schemas.microsoft.com/office/drawing/2014/main" id="{C1120A44-39AE-46C6-9EC5-28458D9DE1D9}"/>
+              </a:ext>
+            </a:extLst>
+          </p:cNvPr>
+          <p:cNvSpPr txBox="1"/>
+          <p:nvPr/>
+        </p:nvSpPr>
+        <p:spPr>
+          <a:xfrm>
+            <a:off x="1141254" y="5013262"/>
+            <a:ext cx="1118704" cy="369332"/>
+          </a:xfrm>
+          <a:prstGeom prst="rect">
+            <a:avLst/>
+          </a:prstGeom>
+          <a:noFill/>
+        </p:spPr>
+        <p:txBody>
+          <a:bodyPr wrap="none" rtlCol="0">
+            <a:spAutoFit/>
+          </a:bodyPr>
+          <a:lstStyle/>
+          <a:p>
+            <a:r>
+              <a:rPr lang="en-US" dirty="0"/>
+              <a:t>#blocks=3</a:t>
+            </a:r>
+          </a:p>
+        </p:txBody>
+      </p:sp>
+      <p:sp>
+        <p:nvSpPr>
+          <p:cNvPr id="34" name="TextBox 33">
+            <a:extLst>
+              <a:ext uri="{FF2B5EF4-FFF2-40B4-BE49-F238E27FC236}">
+                <a16:creationId xmlns:a16="http://schemas.microsoft.com/office/drawing/2014/main" id="{FA391809-36E9-46F3-BE24-7A38C2DC241B}"/>
+              </a:ext>
+            </a:extLst>
+          </p:cNvPr>
+          <p:cNvSpPr txBox="1"/>
+          <p:nvPr/>
+        </p:nvSpPr>
+        <p:spPr>
+          <a:xfrm>
+            <a:off x="2996006" y="4974487"/>
+            <a:ext cx="1118704" cy="369332"/>
+          </a:xfrm>
+          <a:prstGeom prst="rect">
+            <a:avLst/>
+          </a:prstGeom>
+          <a:noFill/>
+        </p:spPr>
+        <p:txBody>
+          <a:bodyPr wrap="none" rtlCol="0">
+            <a:spAutoFit/>
+          </a:bodyPr>
+          <a:lstStyle/>
+          <a:p>
+            <a:r>
+              <a:rPr lang="en-US" dirty="0"/>
+              <a:t>#blocks=2</a:t>
+            </a:r>
+          </a:p>
+        </p:txBody>
+      </p:sp>
+      <p:sp>
+        <p:nvSpPr>
+          <p:cNvPr id="35" name="TextBox 34">
+            <a:extLst>
+              <a:ext uri="{FF2B5EF4-FFF2-40B4-BE49-F238E27FC236}">
+                <a16:creationId xmlns:a16="http://schemas.microsoft.com/office/drawing/2014/main" id="{C5B6BC04-3DA3-402A-AB6E-65F450C1C54F}"/>
+              </a:ext>
+            </a:extLst>
+          </p:cNvPr>
+          <p:cNvSpPr txBox="1"/>
+          <p:nvPr/>
+        </p:nvSpPr>
+        <p:spPr>
+          <a:xfrm>
+            <a:off x="4267736" y="4949525"/>
+            <a:ext cx="1118704" cy="369332"/>
+          </a:xfrm>
+          <a:prstGeom prst="rect">
+            <a:avLst/>
+          </a:prstGeom>
+          <a:noFill/>
+        </p:spPr>
+        <p:txBody>
+          <a:bodyPr wrap="none" rtlCol="0">
+            <a:spAutoFit/>
+          </a:bodyPr>
+          <a:lstStyle/>
+          <a:p>
+            <a:r>
+              <a:rPr lang="en-US" dirty="0"/>
+              <a:t>#blocks=0</a:t>
+            </a:r>
+          </a:p>
+        </p:txBody>
+      </p:sp>
+      <p:sp>
+        <p:nvSpPr>
+          <p:cNvPr id="36" name="TextBox 35">
+            <a:extLst>
+              <a:ext uri="{FF2B5EF4-FFF2-40B4-BE49-F238E27FC236}">
+                <a16:creationId xmlns:a16="http://schemas.microsoft.com/office/drawing/2014/main" id="{E1E9B9F5-F36D-41E6-997E-33B67FFABD09}"/>
+              </a:ext>
+            </a:extLst>
+          </p:cNvPr>
+          <p:cNvSpPr txBox="1"/>
+          <p:nvPr/>
+        </p:nvSpPr>
+        <p:spPr>
+          <a:xfrm>
+            <a:off x="5593523" y="4964881"/>
+            <a:ext cx="1118704" cy="369332"/>
+          </a:xfrm>
+          <a:prstGeom prst="rect">
+            <a:avLst/>
+          </a:prstGeom>
+          <a:noFill/>
+        </p:spPr>
+        <p:txBody>
+          <a:bodyPr wrap="none" rtlCol="0">
+            <a:spAutoFit/>
+          </a:bodyPr>
+          <a:lstStyle/>
+          <a:p>
+            <a:r>
+              <a:rPr lang="en-US" dirty="0"/>
+              <a:t>#blocks=0</a:t>
+            </a:r>
+          </a:p>
+        </p:txBody>
+      </p:sp>
+      <p:sp>
+        <p:nvSpPr>
+          <p:cNvPr id="37" name="TextBox 36">
+            <a:extLst>
+              <a:ext uri="{FF2B5EF4-FFF2-40B4-BE49-F238E27FC236}">
+                <a16:creationId xmlns:a16="http://schemas.microsoft.com/office/drawing/2014/main" id="{B6C4FD22-14CE-4237-AE06-B68BE8A4B06A}"/>
+              </a:ext>
+            </a:extLst>
+          </p:cNvPr>
+          <p:cNvSpPr txBox="1"/>
+          <p:nvPr/>
+        </p:nvSpPr>
+        <p:spPr>
+          <a:xfrm>
+            <a:off x="6958705" y="4925179"/>
+            <a:ext cx="1118704" cy="369332"/>
+          </a:xfrm>
+          <a:prstGeom prst="rect">
+            <a:avLst/>
+          </a:prstGeom>
+          <a:noFill/>
+        </p:spPr>
+        <p:txBody>
+          <a:bodyPr wrap="none" rtlCol="0">
+            <a:spAutoFit/>
+          </a:bodyPr>
+          <a:lstStyle/>
+          <a:p>
+            <a:r>
+              <a:rPr lang="en-US" dirty="0"/>
+              <a:t>#blocks=0</a:t>
+            </a:r>
+          </a:p>
+        </p:txBody>
+      </p:sp>
+      <p:sp>
+        <p:nvSpPr>
+          <p:cNvPr id="38" name="TextBox 37">
+            <a:extLst>
+              <a:ext uri="{FF2B5EF4-FFF2-40B4-BE49-F238E27FC236}">
+                <a16:creationId xmlns:a16="http://schemas.microsoft.com/office/drawing/2014/main" id="{9C2ACCE2-B05B-4E27-8B4F-7CA93DAAB61A}"/>
+              </a:ext>
+            </a:extLst>
+          </p:cNvPr>
+          <p:cNvSpPr txBox="1"/>
+          <p:nvPr/>
+        </p:nvSpPr>
+        <p:spPr>
+          <a:xfrm>
+            <a:off x="2026142" y="3545222"/>
+            <a:ext cx="1543499" cy="369332"/>
+          </a:xfrm>
+          <a:prstGeom prst="rect">
+            <a:avLst/>
+          </a:prstGeom>
+          <a:noFill/>
+        </p:spPr>
+        <p:txBody>
+          <a:bodyPr wrap="none" rtlCol="0">
+            <a:spAutoFit/>
+          </a:bodyPr>
+          <a:lstStyle/>
+          <a:p>
+            <a:r>
+              <a:rPr lang="en-US" dirty="0"/>
+              <a:t>Min #blocks=2</a:t>
+            </a:r>
+          </a:p>
+        </p:txBody>
+      </p:sp>
+      <p:sp>
+        <p:nvSpPr>
+          <p:cNvPr id="39" name="TextBox 38">
+            <a:extLst>
+              <a:ext uri="{FF2B5EF4-FFF2-40B4-BE49-F238E27FC236}">
+                <a16:creationId xmlns:a16="http://schemas.microsoft.com/office/drawing/2014/main" id="{BC80E01E-EA7D-443F-A5FE-0467A6F131D7}"/>
+              </a:ext>
+            </a:extLst>
+          </p:cNvPr>
+          <p:cNvSpPr txBox="1"/>
+          <p:nvPr/>
+        </p:nvSpPr>
+        <p:spPr>
+          <a:xfrm>
+            <a:off x="4743573" y="3498871"/>
+            <a:ext cx="1543499" cy="369332"/>
+          </a:xfrm>
+          <a:prstGeom prst="rect">
+            <a:avLst/>
+          </a:prstGeom>
+          <a:noFill/>
+        </p:spPr>
+        <p:txBody>
+          <a:bodyPr wrap="none" rtlCol="0">
+            <a:spAutoFit/>
+          </a:bodyPr>
+          <a:lstStyle/>
+          <a:p>
+            <a:r>
+              <a:rPr lang="en-US" dirty="0"/>
+              <a:t>Min #blocks=0</a:t>
+            </a:r>
+          </a:p>
+        </p:txBody>
+      </p:sp>
+      <p:sp>
+        <p:nvSpPr>
+          <p:cNvPr id="40" name="TextBox 39">
+            <a:extLst>
+              <a:ext uri="{FF2B5EF4-FFF2-40B4-BE49-F238E27FC236}">
+                <a16:creationId xmlns:a16="http://schemas.microsoft.com/office/drawing/2014/main" id="{5926532C-9A69-448D-8FE5-6CB9D276C4BF}"/>
+              </a:ext>
+            </a:extLst>
+          </p:cNvPr>
+          <p:cNvSpPr txBox="1"/>
+          <p:nvPr/>
+        </p:nvSpPr>
+        <p:spPr>
+          <a:xfrm>
+            <a:off x="3313042" y="1912252"/>
+            <a:ext cx="1543499" cy="369332"/>
+          </a:xfrm>
+          <a:prstGeom prst="rect">
+            <a:avLst/>
+          </a:prstGeom>
+          <a:noFill/>
+        </p:spPr>
+        <p:txBody>
+          <a:bodyPr wrap="none" rtlCol="0">
+            <a:spAutoFit/>
+          </a:bodyPr>
+          <a:lstStyle/>
+          <a:p>
+            <a:r>
+              <a:rPr lang="en-US" dirty="0"/>
+              <a:t>Min #blocks=0</a:t>
+            </a:r>
+          </a:p>
+        </p:txBody>
+      </p:sp>
+      <p:sp>
+        <p:nvSpPr>
+          <p:cNvPr id="41" name="TextBox 40">
+            <a:extLst>
+              <a:ext uri="{FF2B5EF4-FFF2-40B4-BE49-F238E27FC236}">
+                <a16:creationId xmlns:a16="http://schemas.microsoft.com/office/drawing/2014/main" id="{C143699E-C055-495D-AC24-E676CB3EE5C0}"/>
+              </a:ext>
+            </a:extLst>
+          </p:cNvPr>
+          <p:cNvSpPr txBox="1"/>
+          <p:nvPr/>
+        </p:nvSpPr>
+        <p:spPr>
+          <a:xfrm>
+            <a:off x="4648578" y="603514"/>
+            <a:ext cx="1543499" cy="369332"/>
+          </a:xfrm>
+          <a:prstGeom prst="rect">
+            <a:avLst/>
+          </a:prstGeom>
+          <a:noFill/>
+        </p:spPr>
+        <p:txBody>
+          <a:bodyPr wrap="none" rtlCol="0">
+            <a:spAutoFit/>
+          </a:bodyPr>
+          <a:lstStyle/>
+          <a:p>
+            <a:r>
+              <a:rPr lang="en-US" dirty="0"/>
+              <a:t>Min #blocks=0</a:t>
+            </a:r>
+          </a:p>
+        </p:txBody>
+      </p:sp>
+      <p:sp>
+        <p:nvSpPr>
+          <p:cNvPr id="42" name="Freeform: Shape 41">
+            <a:extLst>
+              <a:ext uri="{FF2B5EF4-FFF2-40B4-BE49-F238E27FC236}">
+                <a16:creationId xmlns:a16="http://schemas.microsoft.com/office/drawing/2014/main" id="{ABEFE094-8549-4D2C-B1EB-300E24E5C41B}"/>
+              </a:ext>
+            </a:extLst>
+          </p:cNvPr>
+          <p:cNvSpPr/>
+          <p:nvPr/>
+        </p:nvSpPr>
+        <p:spPr>
+          <a:xfrm>
+            <a:off x="4371424" y="1451113"/>
+            <a:ext cx="996778" cy="3707296"/>
+          </a:xfrm>
+          <a:custGeom>
+            <a:avLst/>
+            <a:gdLst>
+              <a:gd name="connsiteX0" fmla="*/ 1134855 w 1134855"/>
+              <a:gd name="connsiteY0" fmla="*/ 0 h 3906078"/>
+              <a:gd name="connsiteX1" fmla="*/ 1794 w 1134855"/>
+              <a:gd name="connsiteY1" fmla="*/ 1282148 h 3906078"/>
+              <a:gd name="connsiteX2" fmla="*/ 866499 w 1134855"/>
+              <a:gd name="connsiteY2" fmla="*/ 2782957 h 3906078"/>
+              <a:gd name="connsiteX3" fmla="*/ 627960 w 1134855"/>
+              <a:gd name="connsiteY3" fmla="*/ 3906078 h 3906078"/>
+            </a:gdLst>
+            <a:ahLst/>
+            <a:cxnLst>
+              <a:cxn ang="0">
+                <a:pos x="connsiteX0" y="connsiteY0"/>
+              </a:cxn>
+              <a:cxn ang="0">
+                <a:pos x="connsiteX1" y="connsiteY1"/>
+              </a:cxn>
+              <a:cxn ang="0">
+                <a:pos x="connsiteX2" y="connsiteY2"/>
+              </a:cxn>
+              <a:cxn ang="0">
+                <a:pos x="connsiteX3" y="connsiteY3"/>
+              </a:cxn>
+            </a:cxnLst>
+            <a:rect l="l" t="t" r="r" b="b"/>
+            <a:pathLst>
+              <a:path w="1134855" h="3906078">
+                <a:moveTo>
+                  <a:pt x="1134855" y="0"/>
+                </a:moveTo>
+                <a:cubicBezTo>
+                  <a:pt x="590687" y="409161"/>
+                  <a:pt x="46520" y="818322"/>
+                  <a:pt x="1794" y="1282148"/>
+                </a:cubicBezTo>
+                <a:cubicBezTo>
+                  <a:pt x="-42932" y="1745974"/>
+                  <a:pt x="762138" y="2345636"/>
+                  <a:pt x="866499" y="2782957"/>
+                </a:cubicBezTo>
+                <a:cubicBezTo>
+                  <a:pt x="970860" y="3220278"/>
+                  <a:pt x="799410" y="3563178"/>
+                  <a:pt x="627960" y="3906078"/>
+                </a:cubicBezTo>
+              </a:path>
+            </a:pathLst>
+          </a:custGeom>
+          <a:noFill/>
+          <a:ln w="31750">
+            <a:solidFill>
+              <a:srgbClr val="0000FF"/>
+            </a:solidFill>
+            <a:tailEnd type="arrow" w="lg" len="lg"/>
+          </a:ln>
+        </p:spPr>
+        <p:style>
+          <a:lnRef idx="2">
+            <a:schemeClr val="accent1">
+              <a:shade val="50000"/>
+            </a:schemeClr>
+          </a:lnRef>
+          <a:fillRef idx="1">
+            <a:schemeClr val="accent1"/>
+          </a:fillRef>
+          <a:effectRef idx="0">
+            <a:schemeClr val="accent1"/>
+          </a:effectRef>
+          <a:fontRef idx="minor">
+            <a:schemeClr val="lt1"/>
+          </a:fontRef>
+        </p:style>
+        <p:txBody>
+          <a:bodyPr rtlCol="0" anchor="ctr"/>
+          <a:lstStyle/>
+          <a:p>
+            <a:pPr algn="ctr"/>
+            <a:endParaRPr lang="en-US"/>
+          </a:p>
+        </p:txBody>
+      </p:sp>
+    </p:spTree>
+    <p:extLst>
+      <p:ext uri="{BB962C8B-B14F-4D97-AF65-F5344CB8AC3E}">
+        <p14:creationId xmlns:p14="http://schemas.microsoft.com/office/powerpoint/2010/main" val="3288828197"/>
+      </p:ext>
+    </p:extLst>
+  </p:cSld>
+  <p:clrMapOvr>
+    <a:masterClrMapping/>
+  </p:clrMapOvr>
+</p:sld>
+</file>
+
 <file path=ppt/theme/theme1.xml><?xml version="1.0" encoding="utf-8"?>
 <a:theme xmlns:a="http://schemas.openxmlformats.org/drawingml/2006/main" name="Office Theme">
   <a:themeElements>
